--- a/3/HTTP and Websockets.pptx
+++ b/3/HTTP and Websockets.pptx
@@ -211,7 +211,7 @@
           <a:p>
             <a:fld id="{A4CBD0C1-894D-4A2A-BDA5-78F0F2956493}" type="datetimeFigureOut">
               <a:rPr lang="ko-KR" altLang="en-US" smtClean="0"/>
-              <a:t>2020-07-21</a:t>
+              <a:t>2020-07-23</a:t>
             </a:fld>
             <a:endParaRPr lang="ko-KR" altLang="en-US"/>
           </a:p>
@@ -1200,7 +1200,7 @@
           <a:p>
             <a:fld id="{B6FB7DCD-5BA3-48A2-BE8C-591555253DD2}" type="datetimeFigureOut">
               <a:rPr lang="ko-KR" altLang="en-US" smtClean="0"/>
-              <a:t>2020-07-21</a:t>
+              <a:t>2020-07-23</a:t>
             </a:fld>
             <a:endParaRPr lang="ko-KR" altLang="en-US"/>
           </a:p>
@@ -1451,7 +1451,7 @@
           <a:p>
             <a:fld id="{B6FB7DCD-5BA3-48A2-BE8C-591555253DD2}" type="datetimeFigureOut">
               <a:rPr lang="ko-KR" altLang="en-US" smtClean="0"/>
-              <a:t>2020-07-21</a:t>
+              <a:t>2020-07-23</a:t>
             </a:fld>
             <a:endParaRPr lang="ko-KR" altLang="en-US"/>
           </a:p>
@@ -1765,7 +1765,7 @@
           <a:p>
             <a:fld id="{B6FB7DCD-5BA3-48A2-BE8C-591555253DD2}" type="datetimeFigureOut">
               <a:rPr lang="ko-KR" altLang="en-US" smtClean="0"/>
-              <a:t>2020-07-21</a:t>
+              <a:t>2020-07-23</a:t>
             </a:fld>
             <a:endParaRPr lang="ko-KR" altLang="en-US"/>
           </a:p>
@@ -2106,7 +2106,7 @@
           <a:p>
             <a:fld id="{B6FB7DCD-5BA3-48A2-BE8C-591555253DD2}" type="datetimeFigureOut">
               <a:rPr lang="ko-KR" altLang="en-US" smtClean="0"/>
-              <a:t>2020-07-21</a:t>
+              <a:t>2020-07-23</a:t>
             </a:fld>
             <a:endParaRPr lang="ko-KR" altLang="en-US"/>
           </a:p>
@@ -2420,7 +2420,7 @@
           <a:p>
             <a:fld id="{B6FB7DCD-5BA3-48A2-BE8C-591555253DD2}" type="datetimeFigureOut">
               <a:rPr lang="ko-KR" altLang="en-US" smtClean="0"/>
-              <a:t>2020-07-21</a:t>
+              <a:t>2020-07-23</a:t>
             </a:fld>
             <a:endParaRPr lang="ko-KR" altLang="en-US"/>
           </a:p>
@@ -2813,7 +2813,7 @@
           <a:p>
             <a:fld id="{B6FB7DCD-5BA3-48A2-BE8C-591555253DD2}" type="datetimeFigureOut">
               <a:rPr lang="ko-KR" altLang="en-US" smtClean="0"/>
-              <a:t>2020-07-21</a:t>
+              <a:t>2020-07-23</a:t>
             </a:fld>
             <a:endParaRPr lang="ko-KR" altLang="en-US"/>
           </a:p>
@@ -2983,7 +2983,7 @@
           <a:p>
             <a:fld id="{B6FB7DCD-5BA3-48A2-BE8C-591555253DD2}" type="datetimeFigureOut">
               <a:rPr lang="ko-KR" altLang="en-US" smtClean="0"/>
-              <a:t>2020-07-21</a:t>
+              <a:t>2020-07-23</a:t>
             </a:fld>
             <a:endParaRPr lang="ko-KR" altLang="en-US"/>
           </a:p>
@@ -3163,7 +3163,7 @@
           <a:p>
             <a:fld id="{B6FB7DCD-5BA3-48A2-BE8C-591555253DD2}" type="datetimeFigureOut">
               <a:rPr lang="ko-KR" altLang="en-US" smtClean="0"/>
-              <a:t>2020-07-21</a:t>
+              <a:t>2020-07-23</a:t>
             </a:fld>
             <a:endParaRPr lang="ko-KR" altLang="en-US"/>
           </a:p>
@@ -3339,7 +3339,7 @@
           <a:p>
             <a:fld id="{B6FB7DCD-5BA3-48A2-BE8C-591555253DD2}" type="datetimeFigureOut">
               <a:rPr lang="ko-KR" altLang="en-US" smtClean="0"/>
-              <a:t>2020-07-21</a:t>
+              <a:t>2020-07-23</a:t>
             </a:fld>
             <a:endParaRPr lang="ko-KR" altLang="en-US"/>
           </a:p>
@@ -3586,7 +3586,7 @@
           <a:p>
             <a:fld id="{B6FB7DCD-5BA3-48A2-BE8C-591555253DD2}" type="datetimeFigureOut">
               <a:rPr lang="ko-KR" altLang="en-US" smtClean="0"/>
-              <a:t>2020-07-21</a:t>
+              <a:t>2020-07-23</a:t>
             </a:fld>
             <a:endParaRPr lang="ko-KR" altLang="en-US"/>
           </a:p>
@@ -3818,7 +3818,7 @@
           <a:p>
             <a:fld id="{B6FB7DCD-5BA3-48A2-BE8C-591555253DD2}" type="datetimeFigureOut">
               <a:rPr lang="ko-KR" altLang="en-US" smtClean="0"/>
-              <a:t>2020-07-21</a:t>
+              <a:t>2020-07-23</a:t>
             </a:fld>
             <a:endParaRPr lang="ko-KR" altLang="en-US"/>
           </a:p>
@@ -4192,7 +4192,7 @@
           <a:p>
             <a:fld id="{B6FB7DCD-5BA3-48A2-BE8C-591555253DD2}" type="datetimeFigureOut">
               <a:rPr lang="ko-KR" altLang="en-US" smtClean="0"/>
-              <a:t>2020-07-21</a:t>
+              <a:t>2020-07-23</a:t>
             </a:fld>
             <a:endParaRPr lang="ko-KR" altLang="en-US"/>
           </a:p>
@@ -4315,7 +4315,7 @@
           <a:p>
             <a:fld id="{B6FB7DCD-5BA3-48A2-BE8C-591555253DD2}" type="datetimeFigureOut">
               <a:rPr lang="ko-KR" altLang="en-US" smtClean="0"/>
-              <a:t>2020-07-21</a:t>
+              <a:t>2020-07-23</a:t>
             </a:fld>
             <a:endParaRPr lang="ko-KR" altLang="en-US"/>
           </a:p>
@@ -4410,7 +4410,7 @@
           <a:p>
             <a:fld id="{B6FB7DCD-5BA3-48A2-BE8C-591555253DD2}" type="datetimeFigureOut">
               <a:rPr lang="ko-KR" altLang="en-US" smtClean="0"/>
-              <a:t>2020-07-21</a:t>
+              <a:t>2020-07-23</a:t>
             </a:fld>
             <a:endParaRPr lang="ko-KR" altLang="en-US"/>
           </a:p>
@@ -4665,7 +4665,7 @@
           <a:p>
             <a:fld id="{B6FB7DCD-5BA3-48A2-BE8C-591555253DD2}" type="datetimeFigureOut">
               <a:rPr lang="ko-KR" altLang="en-US" smtClean="0"/>
-              <a:t>2020-07-21</a:t>
+              <a:t>2020-07-23</a:t>
             </a:fld>
             <a:endParaRPr lang="ko-KR" altLang="en-US"/>
           </a:p>
@@ -4928,7 +4928,7 @@
           <a:p>
             <a:fld id="{B6FB7DCD-5BA3-48A2-BE8C-591555253DD2}" type="datetimeFigureOut">
               <a:rPr lang="ko-KR" altLang="en-US" smtClean="0"/>
-              <a:t>2020-07-21</a:t>
+              <a:t>2020-07-23</a:t>
             </a:fld>
             <a:endParaRPr lang="ko-KR" altLang="en-US"/>
           </a:p>
@@ -5671,7 +5671,7 @@
           <a:p>
             <a:fld id="{B6FB7DCD-5BA3-48A2-BE8C-591555253DD2}" type="datetimeFigureOut">
               <a:rPr lang="ko-KR" altLang="en-US" smtClean="0"/>
-              <a:t>2020-07-21</a:t>
+              <a:t>2020-07-23</a:t>
             </a:fld>
             <a:endParaRPr lang="ko-KR" altLang="en-US"/>
           </a:p>
@@ -9660,27 +9660,7 @@
                 <a:latin typeface="나눔바른고딕" panose="020B0603020101020101" pitchFamily="50" charset="-127"/>
                 <a:ea typeface="나눔바른고딕" panose="020B0603020101020101" pitchFamily="50" charset="-127"/>
               </a:rPr>
-              <a:t>가 </a:t>
-            </a:r>
-            <a:r>
-              <a:rPr lang="ko-KR" altLang="en-US" sz="1200" dirty="0" err="1">
-                <a:solidFill>
-                  <a:srgbClr val="555555"/>
-                </a:solidFill>
-                <a:latin typeface="나눔바른고딕" panose="020B0603020101020101" pitchFamily="50" charset="-127"/>
-                <a:ea typeface="나눔바른고딕" panose="020B0603020101020101" pitchFamily="50" charset="-127"/>
-              </a:rPr>
-              <a:t>트리거되고</a:t>
-            </a:r>
-            <a:r>
-              <a:rPr lang="ko-KR" altLang="en-US" sz="1200" dirty="0">
-                <a:solidFill>
-                  <a:srgbClr val="555555"/>
-                </a:solidFill>
-                <a:latin typeface="나눔바른고딕" panose="020B0603020101020101" pitchFamily="50" charset="-127"/>
-                <a:ea typeface="나눔바른고딕" panose="020B0603020101020101" pitchFamily="50" charset="-127"/>
-              </a:rPr>
-              <a:t> 각각에 등록 된 </a:t>
+              <a:t>가 트리거 되고 각각에 등록 된 </a:t>
             </a:r>
             <a:r>
               <a:rPr lang="ko-KR" altLang="en-US" sz="1200" dirty="0" err="1">
